--- a/final copy aneesh.pptx
+++ b/final copy aneesh.pptx
@@ -262,7 +262,7 @@
             <a:fld id="{C4D5ADD5-2BBC-4A94-8F86-D9013941F742}" type="datetimeFigureOut">
               <a:rPr lang="en-US"/>
               <a:pPr/>
-              <a:t>9/16/2025</a:t>
+              <a:t>9/17/2025</a:t>
             </a:fld>
             <a:endParaRPr lang="en-US"/>
           </a:p>
@@ -1678,7 +1678,7 @@
           <a:p>
             <a:fld id="{E60792E3-D524-454C-8AFD-A91972900BCB}" type="datetime1">
               <a:rPr lang="en-US" smtClean="0"/>
-              <a:t>9/16/2025</a:t>
+              <a:t>9/17/2025</a:t>
             </a:fld>
             <a:endParaRPr lang="en-US"/>
           </a:p>
@@ -1860,7 +1860,7 @@
           <a:p>
             <a:fld id="{053C3A68-6922-42D3-8905-ECC2D82A3469}" type="datetime1">
               <a:rPr lang="en-US" smtClean="0"/>
-              <a:t>9/16/2025</a:t>
+              <a:t>9/17/2025</a:t>
             </a:fld>
             <a:endParaRPr lang="en-US"/>
           </a:p>
@@ -2052,7 +2052,7 @@
           <a:p>
             <a:fld id="{CB69E9F4-7604-4950-A8B2-8ACDEDB1506E}" type="datetime1">
               <a:rPr lang="en-US" smtClean="0"/>
-              <a:t>9/16/2025</a:t>
+              <a:t>9/17/2025</a:t>
             </a:fld>
             <a:endParaRPr lang="en-US"/>
           </a:p>
@@ -2234,7 +2234,7 @@
           <a:p>
             <a:fld id="{708B7524-32A2-4C20-A58C-BC3BAA1042FC}" type="datetime1">
               <a:rPr lang="en-US" smtClean="0"/>
-              <a:t>9/16/2025</a:t>
+              <a:t>9/17/2025</a:t>
             </a:fld>
             <a:endParaRPr lang="en-US"/>
           </a:p>
@@ -2493,7 +2493,7 @@
           <a:p>
             <a:fld id="{1E994447-D6B2-43BB-A877-57F1A267B999}" type="datetime1">
               <a:rPr lang="en-US" smtClean="0"/>
-              <a:t>9/16/2025</a:t>
+              <a:t>9/17/2025</a:t>
             </a:fld>
             <a:endParaRPr lang="en-US"/>
           </a:p>
@@ -2792,7 +2792,7 @@
           <a:p>
             <a:fld id="{68920E16-BD35-483C-AA6B-346FC7E46DEA}" type="datetime1">
               <a:rPr lang="en-US" smtClean="0"/>
-              <a:t>9/16/2025</a:t>
+              <a:t>9/17/2025</a:t>
             </a:fld>
             <a:endParaRPr lang="en-US"/>
           </a:p>
@@ -3225,7 +3225,7 @@
           <a:p>
             <a:fld id="{2FEAC6F8-5103-4FC0-A69E-5C6AE6469DA8}" type="datetime1">
               <a:rPr lang="en-US" smtClean="0"/>
-              <a:t>9/16/2025</a:t>
+              <a:t>9/17/2025</a:t>
             </a:fld>
             <a:endParaRPr lang="en-US"/>
           </a:p>
@@ -3356,7 +3356,7 @@
           <a:p>
             <a:fld id="{C60C6921-0627-4C8F-83D5-0CF936D2FFDD}" type="datetime1">
               <a:rPr lang="en-US" smtClean="0"/>
-              <a:t>9/16/2025</a:t>
+              <a:t>9/17/2025</a:t>
             </a:fld>
             <a:endParaRPr lang="en-US"/>
           </a:p>
@@ -3465,7 +3465,7 @@
           <a:p>
             <a:fld id="{2FF08AD7-8103-40F8-983C-E2BA6BB9CBE0}" type="datetime1">
               <a:rPr lang="en-US" smtClean="0"/>
-              <a:t>9/16/2025</a:t>
+              <a:t>9/17/2025</a:t>
             </a:fld>
             <a:endParaRPr lang="en-US"/>
           </a:p>
@@ -3754,7 +3754,7 @@
           <a:p>
             <a:fld id="{DF8C06B4-9380-4A4D-AF49-A3596E17DAF5}" type="datetime1">
               <a:rPr lang="en-US" smtClean="0"/>
-              <a:t>9/16/2025</a:t>
+              <a:t>9/17/2025</a:t>
             </a:fld>
             <a:endParaRPr lang="en-US"/>
           </a:p>
@@ -4023,7 +4023,7 @@
           <a:p>
             <a:fld id="{EF7FDEF1-C582-4E22-9E77-D68326471F28}" type="datetime1">
               <a:rPr lang="en-US" smtClean="0"/>
-              <a:t>9/16/2025</a:t>
+              <a:t>9/17/2025</a:t>
             </a:fld>
             <a:endParaRPr lang="en-US"/>
           </a:p>
@@ -4266,7 +4266,7 @@
           <a:p>
             <a:fld id="{780A9602-A9A9-453F-AEF1-37B5837E02CD}" type="datetime1">
               <a:rPr lang="en-US" smtClean="0"/>
-              <a:t>9/16/2025</a:t>
+              <a:t>9/17/2025</a:t>
             </a:fld>
             <a:endParaRPr lang="en-US"/>
           </a:p>
